--- a/aspnetcore/slides/05_controllers.pptx
+++ b/aspnetcore/slides/05_controllers.pptx
@@ -305,7 +305,7 @@
               <a:pPr>
                 <a:defRPr/>
               </a:pPr>
-              <a:t>10/21/2018</a:t>
+              <a:t>10/23/2018</a:t>
             </a:fld>
             <a:endParaRPr lang="en-US"/>
           </a:p>
@@ -1220,47 +1220,6 @@
           </a:p>
         </p:txBody>
       </p:sp>
-      <p:pic>
-        <p:nvPicPr>
-          <p:cNvPr id="9" name="Picture 6" descr="http://www.odetocode.com/">
-            <a:hlinkClick r:id="rId2"/>
-          </p:cNvPr>
-          <p:cNvPicPr>
-            <a:picLocks noChangeAspect="1" noChangeArrowheads="1"/>
-          </p:cNvPicPr>
-          <p:nvPr userDrawn="1"/>
-        </p:nvPicPr>
-        <p:blipFill>
-          <a:blip r:embed="rId3"/>
-          <a:srcRect r="26934"/>
-          <a:stretch>
-            <a:fillRect/>
-          </a:stretch>
-        </p:blipFill>
-        <p:spPr bwMode="auto">
-          <a:xfrm>
-            <a:off x="7620000" y="6248400"/>
-            <a:ext cx="1295400" cy="439103"/>
-          </a:xfrm>
-          <a:prstGeom prst="rect">
-            <a:avLst/>
-          </a:prstGeom>
-          <a:ln w="38100" cap="sq">
-            <a:solidFill>
-              <a:srgbClr val="000000"/>
-            </a:solidFill>
-            <a:prstDash val="solid"/>
-            <a:miter lim="800000"/>
-          </a:ln>
-          <a:effectLst>
-            <a:outerShdw blurRad="50800" dist="38100" dir="2700000" algn="tl" rotWithShape="0">
-              <a:srgbClr val="000000">
-                <a:alpha val="43000"/>
-              </a:srgbClr>
-            </a:outerShdw>
-          </a:effectLst>
-        </p:spPr>
-      </p:pic>
     </p:spTree>
     <p:extLst>
       <p:ext uri="{BB962C8B-B14F-4D97-AF65-F5344CB8AC3E}">
@@ -2376,8 +2335,12 @@
       </p:cxnSp>
       <p:pic>
         <p:nvPicPr>
-          <p:cNvPr id="8" name="Picture 6" descr="http://www.odetocode.com/">
-            <a:hlinkClick r:id="rId13"/>
+          <p:cNvPr id="6" name="Picture 2" descr="http://odetocode.com/Images/odetocode3.png">
+            <a:extLst>
+              <a:ext uri="{FF2B5EF4-FFF2-40B4-BE49-F238E27FC236}">
+                <a16:creationId xmlns:a16="http://schemas.microsoft.com/office/drawing/2014/main" id="{6261AA91-4F22-4FBC-8E24-42CED9402118}"/>
+              </a:ext>
+            </a:extLst>
           </p:cNvPr>
           <p:cNvPicPr>
             <a:picLocks noChangeAspect="1" noChangeArrowheads="1"/>
@@ -2385,34 +2348,36 @@
           <p:nvPr userDrawn="1"/>
         </p:nvPicPr>
         <p:blipFill>
-          <a:blip r:embed="rId14"/>
-          <a:srcRect r="26934"/>
+          <a:blip r:embed="rId13">
+            <a:extLst>
+              <a:ext uri="{28A0092B-C50C-407E-A947-70E740481C1C}">
+                <a14:useLocalDpi xmlns:a14="http://schemas.microsoft.com/office/drawing/2010/main" val="0"/>
+              </a:ext>
+            </a:extLst>
+          </a:blip>
+          <a:srcRect/>
           <a:stretch>
             <a:fillRect/>
           </a:stretch>
         </p:blipFill>
         <p:spPr bwMode="auto">
           <a:xfrm>
-            <a:off x="7620000" y="6266497"/>
-            <a:ext cx="1295400" cy="439103"/>
+            <a:off x="7944556" y="6324600"/>
+            <a:ext cx="1123244" cy="304800"/>
           </a:xfrm>
           <a:prstGeom prst="rect">
             <a:avLst/>
           </a:prstGeom>
-          <a:ln w="38100" cap="sq">
-            <a:solidFill>
-              <a:srgbClr val="000000"/>
-            </a:solidFill>
-            <a:prstDash val="solid"/>
-            <a:miter lim="800000"/>
-          </a:ln>
-          <a:effectLst>
-            <a:outerShdw blurRad="50800" dist="38100" dir="2700000" algn="tl" rotWithShape="0">
-              <a:srgbClr val="000000">
-                <a:alpha val="43000"/>
-              </a:srgbClr>
-            </a:outerShdw>
-          </a:effectLst>
+          <a:noFill/>
+          <a:extLst>
+            <a:ext uri="{909E8E84-426E-40DD-AFC4-6F175D3DCCD1}">
+              <a14:hiddenFill xmlns:a14="http://schemas.microsoft.com/office/drawing/2010/main">
+                <a:solidFill>
+                  <a:srgbClr val="FFFFFF"/>
+                </a:solidFill>
+              </a14:hiddenFill>
+            </a:ext>
+          </a:extLst>
         </p:spPr>
       </p:pic>
     </p:spTree>

--- a/aspnetcore/slides/05_controllers.pptx
+++ b/aspnetcore/slides/05_controllers.pptx
@@ -5,29 +5,30 @@
     <p:sldMasterId id="2147483772" r:id="rId1"/>
   </p:sldMasterIdLst>
   <p:notesMasterIdLst>
-    <p:notesMasterId r:id="rId19"/>
+    <p:notesMasterId r:id="rId20"/>
   </p:notesMasterIdLst>
   <p:handoutMasterIdLst>
-    <p:handoutMasterId r:id="rId20"/>
+    <p:handoutMasterId r:id="rId21"/>
   </p:handoutMasterIdLst>
   <p:sldIdLst>
     <p:sldId id="327" r:id="rId2"/>
     <p:sldId id="328" r:id="rId3"/>
-    <p:sldId id="329" r:id="rId4"/>
-    <p:sldId id="332" r:id="rId5"/>
-    <p:sldId id="330" r:id="rId6"/>
-    <p:sldId id="331" r:id="rId7"/>
-    <p:sldId id="334" r:id="rId8"/>
-    <p:sldId id="338" r:id="rId9"/>
-    <p:sldId id="333" r:id="rId10"/>
-    <p:sldId id="337" r:id="rId11"/>
-    <p:sldId id="335" r:id="rId12"/>
-    <p:sldId id="336" r:id="rId13"/>
-    <p:sldId id="339" r:id="rId14"/>
-    <p:sldId id="340" r:id="rId15"/>
-    <p:sldId id="342" r:id="rId16"/>
-    <p:sldId id="343" r:id="rId17"/>
-    <p:sldId id="341" r:id="rId18"/>
+    <p:sldId id="344" r:id="rId4"/>
+    <p:sldId id="329" r:id="rId5"/>
+    <p:sldId id="332" r:id="rId6"/>
+    <p:sldId id="330" r:id="rId7"/>
+    <p:sldId id="331" r:id="rId8"/>
+    <p:sldId id="334" r:id="rId9"/>
+    <p:sldId id="338" r:id="rId10"/>
+    <p:sldId id="333" r:id="rId11"/>
+    <p:sldId id="337" r:id="rId12"/>
+    <p:sldId id="335" r:id="rId13"/>
+    <p:sldId id="336" r:id="rId14"/>
+    <p:sldId id="339" r:id="rId15"/>
+    <p:sldId id="340" r:id="rId16"/>
+    <p:sldId id="342" r:id="rId17"/>
+    <p:sldId id="343" r:id="rId18"/>
+    <p:sldId id="341" r:id="rId19"/>
   </p:sldIdLst>
   <p:sldSz cx="9144000" cy="6858000" type="screen4x3"/>
   <p:notesSz cx="7302500" cy="9588500"/>
@@ -163,6 +164,7 @@
           <p14:sldIdLst>
             <p14:sldId id="327"/>
             <p14:sldId id="328"/>
+            <p14:sldId id="344"/>
             <p14:sldId id="329"/>
             <p14:sldId id="332"/>
             <p14:sldId id="330"/>
@@ -305,7 +307,7 @@
               <a:pPr>
                 <a:defRPr/>
               </a:pPr>
-              <a:t>10/23/2018</a:t>
+              <a:t>8/31/2019</a:t>
             </a:fld>
             <a:endParaRPr lang="en-US"/>
           </a:p>
@@ -1112,7 +1114,7 @@
               <a:pPr>
                 <a:defRPr/>
               </a:pPr>
-              <a:t>4</a:t>
+              <a:t>5</a:t>
             </a:fld>
             <a:endParaRPr lang="en-US"/>
           </a:p>
@@ -2916,7 +2918,7 @@
             <a:pPr marL="0" indent="0" defTabSz="914400" eaLnBrk="1" hangingPunct="1"/>
             <a:r>
               <a:rPr lang="en-US" dirty="0"/>
-              <a:t>ASP.NET Core MVC</a:t>
+              <a:t>ASP.NET Core Controllers</a:t>
             </a:r>
           </a:p>
         </p:txBody>
@@ -2956,6 +2958,127 @@
 </file>
 
 <file path=ppt/slides/slide10.xml><?xml version="1.0" encoding="utf-8"?>
+<p:sld xmlns:a="http://schemas.openxmlformats.org/drawingml/2006/main" xmlns:r="http://schemas.openxmlformats.org/officeDocument/2006/relationships" xmlns:p="http://schemas.openxmlformats.org/presentationml/2006/main">
+  <p:cSld>
+    <p:spTree>
+      <p:nvGrpSpPr>
+        <p:cNvPr id="1" name=""/>
+        <p:cNvGrpSpPr/>
+        <p:nvPr/>
+      </p:nvGrpSpPr>
+      <p:grpSpPr>
+        <a:xfrm>
+          <a:off x="0" y="0"/>
+          <a:ext cx="0" cy="0"/>
+          <a:chOff x="0" y="0"/>
+          <a:chExt cx="0" cy="0"/>
+        </a:xfrm>
+      </p:grpSpPr>
+      <p:sp>
+        <p:nvSpPr>
+          <p:cNvPr id="2" name="Title 1"/>
+          <p:cNvSpPr>
+            <a:spLocks noGrp="1"/>
+          </p:cNvSpPr>
+          <p:nvPr>
+            <p:ph type="title"/>
+          </p:nvPr>
+        </p:nvSpPr>
+        <p:spPr/>
+        <p:txBody>
+          <a:bodyPr/>
+          <a:lstStyle/>
+          <a:p>
+            <a:r>
+              <a:rPr lang="en-US" dirty="0"/>
+              <a:t>Action Results</a:t>
+            </a:r>
+          </a:p>
+        </p:txBody>
+      </p:sp>
+      <p:sp>
+        <p:nvSpPr>
+          <p:cNvPr id="3" name="Text Placeholder 2"/>
+          <p:cNvSpPr>
+            <a:spLocks noGrp="1"/>
+          </p:cNvSpPr>
+          <p:nvPr>
+            <p:ph type="body" idx="1"/>
+          </p:nvPr>
+        </p:nvSpPr>
+        <p:spPr/>
+        <p:txBody>
+          <a:bodyPr/>
+          <a:lstStyle/>
+          <a:p>
+            <a:r>
+              <a:rPr lang="en-US" dirty="0" err="1"/>
+              <a:t>IHttpActionResult</a:t>
+            </a:r>
+            <a:r>
+              <a:rPr lang="en-US" dirty="0"/>
+              <a:t> encapsulates controller decision</a:t>
+            </a:r>
+          </a:p>
+          <a:p>
+            <a:r>
+              <a:rPr lang="en-US" dirty="0"/>
+              <a:t>Execution of result is later in the MVC pipeline</a:t>
+            </a:r>
+          </a:p>
+        </p:txBody>
+      </p:sp>
+      <p:pic>
+        <p:nvPicPr>
+          <p:cNvPr id="4" name="Picture 3"/>
+          <p:cNvPicPr>
+            <a:picLocks noChangeAspect="1"/>
+          </p:cNvPicPr>
+          <p:nvPr/>
+        </p:nvPicPr>
+        <p:blipFill>
+          <a:blip r:embed="rId2"/>
+          <a:stretch>
+            <a:fillRect/>
+          </a:stretch>
+        </p:blipFill>
+        <p:spPr>
+          <a:xfrm>
+            <a:off x="1990725" y="2895600"/>
+            <a:ext cx="5162550" cy="1419225"/>
+          </a:xfrm>
+          <a:prstGeom prst="rect">
+            <a:avLst/>
+          </a:prstGeom>
+          <a:ln>
+            <a:noFill/>
+          </a:ln>
+          <a:effectLst>
+            <a:outerShdw blurRad="292100" dist="139700" dir="2700000" algn="tl" rotWithShape="0">
+              <a:srgbClr val="333333">
+                <a:alpha val="65000"/>
+              </a:srgbClr>
+            </a:outerShdw>
+          </a:effectLst>
+        </p:spPr>
+      </p:pic>
+    </p:spTree>
+    <p:extLst>
+      <p:ext uri="{BB962C8B-B14F-4D97-AF65-F5344CB8AC3E}">
+        <p14:creationId xmlns:p14="http://schemas.microsoft.com/office/powerpoint/2010/main" val="1123265878"/>
+      </p:ext>
+    </p:extLst>
+  </p:cSld>
+  <p:clrMapOvr>
+    <a:masterClrMapping/>
+  </p:clrMapOvr>
+  <p:transition>
+    <p:fade/>
+  </p:transition>
+</p:sld>
+</file>
+
+<file path=ppt/slides/slide11.xml><?xml version="1.0" encoding="utf-8"?>
 <p:sld xmlns:a="http://schemas.openxmlformats.org/drawingml/2006/main" xmlns:r="http://schemas.openxmlformats.org/officeDocument/2006/relationships" xmlns:p="http://schemas.openxmlformats.org/presentationml/2006/main">
   <p:cSld>
     <p:spTree>
@@ -3081,7 +3204,7 @@
 </p:sld>
 </file>
 
-<file path=ppt/slides/slide11.xml><?xml version="1.0" encoding="utf-8"?>
+<file path=ppt/slides/slide12.xml><?xml version="1.0" encoding="utf-8"?>
 <p:sld xmlns:a="http://schemas.openxmlformats.org/drawingml/2006/main" xmlns:r="http://schemas.openxmlformats.org/officeDocument/2006/relationships" xmlns:p="http://schemas.openxmlformats.org/presentationml/2006/main">
   <p:cSld>
     <p:spTree>
@@ -3198,7 +3321,7 @@
 </p:sld>
 </file>
 
-<file path=ppt/slides/slide12.xml><?xml version="1.0" encoding="utf-8"?>
+<file path=ppt/slides/slide13.xml><?xml version="1.0" encoding="utf-8"?>
 <p:sld xmlns:a="http://schemas.openxmlformats.org/drawingml/2006/main" xmlns:r="http://schemas.openxmlformats.org/officeDocument/2006/relationships" xmlns:p="http://schemas.openxmlformats.org/presentationml/2006/main">
   <p:cSld>
     <p:spTree>
@@ -3314,7 +3437,7 @@
 </p:sld>
 </file>
 
-<file path=ppt/slides/slide13.xml><?xml version="1.0" encoding="utf-8"?>
+<file path=ppt/slides/slide14.xml><?xml version="1.0" encoding="utf-8"?>
 <p:sld xmlns:a="http://schemas.openxmlformats.org/drawingml/2006/main" xmlns:r="http://schemas.openxmlformats.org/officeDocument/2006/relationships" xmlns:p="http://schemas.openxmlformats.org/presentationml/2006/main">
   <p:cSld>
     <p:spTree>
@@ -3425,7 +3548,7 @@
 </p:sld>
 </file>
 
-<file path=ppt/slides/slide14.xml><?xml version="1.0" encoding="utf-8"?>
+<file path=ppt/slides/slide15.xml><?xml version="1.0" encoding="utf-8"?>
 <p:sld xmlns:a="http://schemas.openxmlformats.org/drawingml/2006/main" xmlns:r="http://schemas.openxmlformats.org/officeDocument/2006/relationships" xmlns:p="http://schemas.openxmlformats.org/presentationml/2006/main">
   <p:cSld>
     <p:spTree>
@@ -3536,7 +3659,7 @@
 </p:sld>
 </file>
 
-<file path=ppt/slides/slide15.xml><?xml version="1.0" encoding="utf-8"?>
+<file path=ppt/slides/slide16.xml><?xml version="1.0" encoding="utf-8"?>
 <p:sld xmlns:a="http://schemas.openxmlformats.org/drawingml/2006/main" xmlns:r="http://schemas.openxmlformats.org/officeDocument/2006/relationships" xmlns:p="http://schemas.openxmlformats.org/presentationml/2006/main">
   <p:cSld>
     <p:spTree>
@@ -3661,7 +3784,7 @@
 </p:sld>
 </file>
 
-<file path=ppt/slides/slide16.xml><?xml version="1.0" encoding="utf-8"?>
+<file path=ppt/slides/slide17.xml><?xml version="1.0" encoding="utf-8"?>
 <p:sld xmlns:a="http://schemas.openxmlformats.org/drawingml/2006/main" xmlns:r="http://schemas.openxmlformats.org/officeDocument/2006/relationships" xmlns:p="http://schemas.openxmlformats.org/presentationml/2006/main">
   <p:cSld>
     <p:spTree>
@@ -3763,7 +3886,7 @@
 </p:sld>
 </file>
 
-<file path=ppt/slides/slide17.xml><?xml version="1.0" encoding="utf-8"?>
+<file path=ppt/slides/slide18.xml><?xml version="1.0" encoding="utf-8"?>
 <p:sld xmlns:a="http://schemas.openxmlformats.org/drawingml/2006/main" xmlns:r="http://schemas.openxmlformats.org/officeDocument/2006/relationships" xmlns:p="http://schemas.openxmlformats.org/presentationml/2006/main">
   <p:cSld>
     <p:spTree>
@@ -5285,6 +5408,92 @@
       </p:grpSpPr>
       <p:sp>
         <p:nvSpPr>
+          <p:cNvPr id="2" name="Title 1">
+            <a:extLst>
+              <a:ext uri="{FF2B5EF4-FFF2-40B4-BE49-F238E27FC236}">
+                <a16:creationId xmlns:a16="http://schemas.microsoft.com/office/drawing/2014/main" id="{7D8495A2-5E83-424F-80DC-FCDA7E492A5D}"/>
+              </a:ext>
+            </a:extLst>
+          </p:cNvPr>
+          <p:cNvSpPr>
+            <a:spLocks noGrp="1"/>
+          </p:cNvSpPr>
+          <p:nvPr>
+            <p:ph type="title"/>
+          </p:nvPr>
+        </p:nvSpPr>
+        <p:spPr/>
+        <p:txBody>
+          <a:bodyPr/>
+          <a:lstStyle/>
+          <a:p>
+            <a:r>
+              <a:rPr lang="en-US" dirty="0"/>
+              <a:t>The Faces of ASP.NET Core</a:t>
+            </a:r>
+          </a:p>
+        </p:txBody>
+      </p:sp>
+      <p:sp>
+        <p:nvSpPr>
+          <p:cNvPr id="3" name="Text Placeholder 2">
+            <a:extLst>
+              <a:ext uri="{FF2B5EF4-FFF2-40B4-BE49-F238E27FC236}">
+                <a16:creationId xmlns:a16="http://schemas.microsoft.com/office/drawing/2014/main" id="{6F433F31-402E-4A76-81AE-63AA4628D9CE}"/>
+              </a:ext>
+            </a:extLst>
+          </p:cNvPr>
+          <p:cNvSpPr>
+            <a:spLocks noGrp="1"/>
+          </p:cNvSpPr>
+          <p:nvPr>
+            <p:ph type="body" idx="1"/>
+          </p:nvPr>
+        </p:nvSpPr>
+        <p:spPr/>
+        <p:txBody>
+          <a:bodyPr/>
+          <a:lstStyle/>
+          <a:p>
+            <a:endParaRPr lang="en-US"/>
+          </a:p>
+        </p:txBody>
+      </p:sp>
+    </p:spTree>
+    <p:extLst>
+      <p:ext uri="{BB962C8B-B14F-4D97-AF65-F5344CB8AC3E}">
+        <p14:creationId xmlns:p14="http://schemas.microsoft.com/office/powerpoint/2010/main" val="3845968289"/>
+      </p:ext>
+    </p:extLst>
+  </p:cSld>
+  <p:clrMapOvr>
+    <a:masterClrMapping/>
+  </p:clrMapOvr>
+  <p:transition>
+    <p:fade/>
+  </p:transition>
+</p:sld>
+</file>
+
+<file path=ppt/slides/slide4.xml><?xml version="1.0" encoding="utf-8"?>
+<p:sld xmlns:a="http://schemas.openxmlformats.org/drawingml/2006/main" xmlns:r="http://schemas.openxmlformats.org/officeDocument/2006/relationships" xmlns:p="http://schemas.openxmlformats.org/presentationml/2006/main">
+  <p:cSld>
+    <p:spTree>
+      <p:nvGrpSpPr>
+        <p:cNvPr id="1" name=""/>
+        <p:cNvGrpSpPr/>
+        <p:nvPr/>
+      </p:nvGrpSpPr>
+      <p:grpSpPr>
+        <a:xfrm>
+          <a:off x="0" y="0"/>
+          <a:ext cx="0" cy="0"/>
+          <a:chOff x="0" y="0"/>
+          <a:chExt cx="0" cy="0"/>
+        </a:xfrm>
+      </p:grpSpPr>
+      <p:sp>
+        <p:nvSpPr>
           <p:cNvPr id="2" name="Title 1"/>
           <p:cNvSpPr>
             <a:spLocks noGrp="1"/>
@@ -5386,7 +5595,7 @@
 </p:sld>
 </file>
 
-<file path=ppt/slides/slide4.xml><?xml version="1.0" encoding="utf-8"?>
+<file path=ppt/slides/slide5.xml><?xml version="1.0" encoding="utf-8"?>
 <p:sld xmlns:a="http://schemas.openxmlformats.org/drawingml/2006/main" xmlns:r="http://schemas.openxmlformats.org/officeDocument/2006/relationships" xmlns:p="http://schemas.openxmlformats.org/presentationml/2006/main">
   <p:cSld>
     <p:spTree>
@@ -5509,7 +5718,7 @@
 </p:sld>
 </file>
 
-<file path=ppt/slides/slide5.xml><?xml version="1.0" encoding="utf-8"?>
+<file path=ppt/slides/slide6.xml><?xml version="1.0" encoding="utf-8"?>
 <p:sld xmlns:a="http://schemas.openxmlformats.org/drawingml/2006/main" xmlns:r="http://schemas.openxmlformats.org/officeDocument/2006/relationships" xmlns:p="http://schemas.openxmlformats.org/presentationml/2006/main">
   <p:cSld>
     <p:spTree>
@@ -5625,7 +5834,7 @@
 </p:sld>
 </file>
 
-<file path=ppt/slides/slide6.xml><?xml version="1.0" encoding="utf-8"?>
+<file path=ppt/slides/slide7.xml><?xml version="1.0" encoding="utf-8"?>
 <p:sld xmlns:a="http://schemas.openxmlformats.org/drawingml/2006/main" xmlns:r="http://schemas.openxmlformats.org/officeDocument/2006/relationships" xmlns:p="http://schemas.openxmlformats.org/presentationml/2006/main">
   <p:cSld>
     <p:spTree>
@@ -5732,7 +5941,7 @@
 </p:sld>
 </file>
 
-<file path=ppt/slides/slide7.xml><?xml version="1.0" encoding="utf-8"?>
+<file path=ppt/slides/slide8.xml><?xml version="1.0" encoding="utf-8"?>
 <p:sld xmlns:a="http://schemas.openxmlformats.org/drawingml/2006/main" xmlns:r="http://schemas.openxmlformats.org/officeDocument/2006/relationships" xmlns:p="http://schemas.openxmlformats.org/presentationml/2006/main">
   <p:cSld>
     <p:spTree>
@@ -5833,7 +6042,7 @@
 </p:sld>
 </file>
 
-<file path=ppt/slides/slide8.xml><?xml version="1.0" encoding="utf-8"?>
+<file path=ppt/slides/slide9.xml><?xml version="1.0" encoding="utf-8"?>
 <p:sld xmlns:a="http://schemas.openxmlformats.org/drawingml/2006/main" xmlns:r="http://schemas.openxmlformats.org/officeDocument/2006/relationships" xmlns:p="http://schemas.openxmlformats.org/presentationml/2006/main">
   <p:cSld>
     <p:spTree>
@@ -5936,127 +6145,6 @@
     <p:extLst>
       <p:ext uri="{BB962C8B-B14F-4D97-AF65-F5344CB8AC3E}">
         <p14:creationId xmlns:p14="http://schemas.microsoft.com/office/powerpoint/2010/main" val="4024629764"/>
-      </p:ext>
-    </p:extLst>
-  </p:cSld>
-  <p:clrMapOvr>
-    <a:masterClrMapping/>
-  </p:clrMapOvr>
-  <p:transition>
-    <p:fade/>
-  </p:transition>
-</p:sld>
-</file>
-
-<file path=ppt/slides/slide9.xml><?xml version="1.0" encoding="utf-8"?>
-<p:sld xmlns:a="http://schemas.openxmlformats.org/drawingml/2006/main" xmlns:r="http://schemas.openxmlformats.org/officeDocument/2006/relationships" xmlns:p="http://schemas.openxmlformats.org/presentationml/2006/main">
-  <p:cSld>
-    <p:spTree>
-      <p:nvGrpSpPr>
-        <p:cNvPr id="1" name=""/>
-        <p:cNvGrpSpPr/>
-        <p:nvPr/>
-      </p:nvGrpSpPr>
-      <p:grpSpPr>
-        <a:xfrm>
-          <a:off x="0" y="0"/>
-          <a:ext cx="0" cy="0"/>
-          <a:chOff x="0" y="0"/>
-          <a:chExt cx="0" cy="0"/>
-        </a:xfrm>
-      </p:grpSpPr>
-      <p:sp>
-        <p:nvSpPr>
-          <p:cNvPr id="2" name="Title 1"/>
-          <p:cNvSpPr>
-            <a:spLocks noGrp="1"/>
-          </p:cNvSpPr>
-          <p:nvPr>
-            <p:ph type="title"/>
-          </p:nvPr>
-        </p:nvSpPr>
-        <p:spPr/>
-        <p:txBody>
-          <a:bodyPr/>
-          <a:lstStyle/>
-          <a:p>
-            <a:r>
-              <a:rPr lang="en-US" dirty="0"/>
-              <a:t>Action Results</a:t>
-            </a:r>
-          </a:p>
-        </p:txBody>
-      </p:sp>
-      <p:sp>
-        <p:nvSpPr>
-          <p:cNvPr id="3" name="Text Placeholder 2"/>
-          <p:cNvSpPr>
-            <a:spLocks noGrp="1"/>
-          </p:cNvSpPr>
-          <p:nvPr>
-            <p:ph type="body" idx="1"/>
-          </p:nvPr>
-        </p:nvSpPr>
-        <p:spPr/>
-        <p:txBody>
-          <a:bodyPr/>
-          <a:lstStyle/>
-          <a:p>
-            <a:r>
-              <a:rPr lang="en-US" dirty="0" err="1"/>
-              <a:t>IHttpActionResult</a:t>
-            </a:r>
-            <a:r>
-              <a:rPr lang="en-US" dirty="0"/>
-              <a:t> encapsulates controller decision</a:t>
-            </a:r>
-          </a:p>
-          <a:p>
-            <a:r>
-              <a:rPr lang="en-US" dirty="0"/>
-              <a:t>Execution of result is later in the MVC pipeline</a:t>
-            </a:r>
-          </a:p>
-        </p:txBody>
-      </p:sp>
-      <p:pic>
-        <p:nvPicPr>
-          <p:cNvPr id="4" name="Picture 3"/>
-          <p:cNvPicPr>
-            <a:picLocks noChangeAspect="1"/>
-          </p:cNvPicPr>
-          <p:nvPr/>
-        </p:nvPicPr>
-        <p:blipFill>
-          <a:blip r:embed="rId2"/>
-          <a:stretch>
-            <a:fillRect/>
-          </a:stretch>
-        </p:blipFill>
-        <p:spPr>
-          <a:xfrm>
-            <a:off x="1990725" y="2895600"/>
-            <a:ext cx="5162550" cy="1419225"/>
-          </a:xfrm>
-          <a:prstGeom prst="rect">
-            <a:avLst/>
-          </a:prstGeom>
-          <a:ln>
-            <a:noFill/>
-          </a:ln>
-          <a:effectLst>
-            <a:outerShdw blurRad="292100" dist="139700" dir="2700000" algn="tl" rotWithShape="0">
-              <a:srgbClr val="333333">
-                <a:alpha val="65000"/>
-              </a:srgbClr>
-            </a:outerShdw>
-          </a:effectLst>
-        </p:spPr>
-      </p:pic>
-    </p:spTree>
-    <p:extLst>
-      <p:ext uri="{BB962C8B-B14F-4D97-AF65-F5344CB8AC3E}">
-        <p14:creationId xmlns:p14="http://schemas.microsoft.com/office/powerpoint/2010/main" val="1123265878"/>
       </p:ext>
     </p:extLst>
   </p:cSld>

--- a/aspnetcore/slides/05_controllers.pptx
+++ b/aspnetcore/slides/05_controllers.pptx
@@ -5,10 +5,10 @@
     <p:sldMasterId id="2147483772" r:id="rId1"/>
   </p:sldMasterIdLst>
   <p:notesMasterIdLst>
-    <p:notesMasterId r:id="rId20"/>
+    <p:notesMasterId r:id="rId19"/>
   </p:notesMasterIdLst>
   <p:handoutMasterIdLst>
-    <p:handoutMasterId r:id="rId21"/>
+    <p:handoutMasterId r:id="rId20"/>
   </p:handoutMasterIdLst>
   <p:sldIdLst>
     <p:sldId id="327" r:id="rId2"/>
@@ -27,8 +27,7 @@
     <p:sldId id="339" r:id="rId15"/>
     <p:sldId id="340" r:id="rId16"/>
     <p:sldId id="342" r:id="rId17"/>
-    <p:sldId id="343" r:id="rId18"/>
-    <p:sldId id="341" r:id="rId19"/>
+    <p:sldId id="341" r:id="rId18"/>
   </p:sldIdLst>
   <p:sldSz cx="9144000" cy="6858000" type="screen4x3"/>
   <p:notesSz cx="7302500" cy="9588500"/>
@@ -178,7 +177,6 @@
             <p14:sldId id="339"/>
             <p14:sldId id="340"/>
             <p14:sldId id="342"/>
-            <p14:sldId id="343"/>
             <p14:sldId id="341"/>
           </p14:sldIdLst>
         </p14:section>
@@ -3803,108 +3801,6 @@
       </p:grpSpPr>
       <p:sp>
         <p:nvSpPr>
-          <p:cNvPr id="2" name="Title 1">
-            <a:extLst>
-              <a:ext uri="{FF2B5EF4-FFF2-40B4-BE49-F238E27FC236}">
-                <a16:creationId xmlns:a16="http://schemas.microsoft.com/office/drawing/2014/main" id="{8145E9A8-C26C-45EF-BAE2-4CB1A41060EC}"/>
-              </a:ext>
-            </a:extLst>
-          </p:cNvPr>
-          <p:cNvSpPr>
-            <a:spLocks noGrp="1"/>
-          </p:cNvSpPr>
-          <p:nvPr>
-            <p:ph type="title"/>
-          </p:nvPr>
-        </p:nvSpPr>
-        <p:spPr/>
-        <p:txBody>
-          <a:bodyPr/>
-          <a:lstStyle/>
-          <a:p>
-            <a:r>
-              <a:rPr lang="en-US" dirty="0"/>
-              <a:t>Opinion</a:t>
-            </a:r>
-          </a:p>
-        </p:txBody>
-      </p:sp>
-      <p:sp>
-        <p:nvSpPr>
-          <p:cNvPr id="3" name="Text Placeholder 2">
-            <a:extLst>
-              <a:ext uri="{FF2B5EF4-FFF2-40B4-BE49-F238E27FC236}">
-                <a16:creationId xmlns:a16="http://schemas.microsoft.com/office/drawing/2014/main" id="{80054952-6E76-49E0-AB62-739F120E91E3}"/>
-              </a:ext>
-            </a:extLst>
-          </p:cNvPr>
-          <p:cNvSpPr>
-            <a:spLocks noGrp="1"/>
-          </p:cNvSpPr>
-          <p:nvPr>
-            <p:ph type="body" idx="1"/>
-          </p:nvPr>
-        </p:nvSpPr>
-        <p:spPr/>
-        <p:txBody>
-          <a:bodyPr/>
-          <a:lstStyle/>
-          <a:p>
-            <a:r>
-              <a:rPr lang="en-US" dirty="0"/>
-              <a:t>MVC Controllers work best for building APIs</a:t>
-            </a:r>
-          </a:p>
-          <a:p>
-            <a:endParaRPr lang="en-US" dirty="0"/>
-          </a:p>
-          <a:p>
-            <a:r>
-              <a:rPr lang="en-US" dirty="0"/>
-              <a:t>For HTML, consider </a:t>
-            </a:r>
-            <a:r>
-              <a:rPr lang="en-US"/>
-              <a:t>Razor Pages</a:t>
-            </a:r>
-          </a:p>
-        </p:txBody>
-      </p:sp>
-    </p:spTree>
-    <p:extLst>
-      <p:ext uri="{BB962C8B-B14F-4D97-AF65-F5344CB8AC3E}">
-        <p14:creationId xmlns:p14="http://schemas.microsoft.com/office/powerpoint/2010/main" val="1261705295"/>
-      </p:ext>
-    </p:extLst>
-  </p:cSld>
-  <p:clrMapOvr>
-    <a:masterClrMapping/>
-  </p:clrMapOvr>
-  <p:transition>
-    <p:fade/>
-  </p:transition>
-</p:sld>
-</file>
-
-<file path=ppt/slides/slide18.xml><?xml version="1.0" encoding="utf-8"?>
-<p:sld xmlns:a="http://schemas.openxmlformats.org/drawingml/2006/main" xmlns:r="http://schemas.openxmlformats.org/officeDocument/2006/relationships" xmlns:p="http://schemas.openxmlformats.org/presentationml/2006/main">
-  <p:cSld>
-    <p:spTree>
-      <p:nvGrpSpPr>
-        <p:cNvPr id="1" name=""/>
-        <p:cNvGrpSpPr/>
-        <p:nvPr/>
-      </p:nvGrpSpPr>
-      <p:grpSpPr>
-        <a:xfrm>
-          <a:off x="0" y="0"/>
-          <a:ext cx="0" cy="0"/>
-          <a:chOff x="0" y="0"/>
-          <a:chExt cx="0" cy="0"/>
-        </a:xfrm>
-      </p:grpSpPr>
-      <p:sp>
-        <p:nvSpPr>
           <p:cNvPr id="2" name="Title 1"/>
           <p:cNvSpPr>
             <a:spLocks noGrp="1"/>
@@ -5436,26 +5332,1074 @@
       </p:sp>
       <p:sp>
         <p:nvSpPr>
-          <p:cNvPr id="3" name="Text Placeholder 2">
+          <p:cNvPr id="10" name="Down Arrow 9">
             <a:extLst>
               <a:ext uri="{FF2B5EF4-FFF2-40B4-BE49-F238E27FC236}">
-                <a16:creationId xmlns:a16="http://schemas.microsoft.com/office/drawing/2014/main" id="{6F433F31-402E-4A76-81AE-63AA4628D9CE}"/>
+                <a16:creationId xmlns:a16="http://schemas.microsoft.com/office/drawing/2014/main" id="{94C10545-08CA-44ED-A702-D24483A50A0C}"/>
               </a:ext>
             </a:extLst>
           </p:cNvPr>
-          <p:cNvSpPr>
-            <a:spLocks noGrp="1"/>
-          </p:cNvSpPr>
-          <p:nvPr>
-            <p:ph type="body" idx="1"/>
-          </p:nvPr>
-        </p:nvSpPr>
-        <p:spPr/>
+          <p:cNvSpPr/>
+          <p:nvPr/>
+        </p:nvSpPr>
+        <p:spPr bwMode="auto">
+          <a:xfrm rot="19207364">
+            <a:off x="5265071" y="2943348"/>
+            <a:ext cx="685800" cy="990600"/>
+          </a:xfrm>
+          <a:prstGeom prst="downArrow">
+            <a:avLst/>
+          </a:prstGeom>
+          <a:gradFill rotWithShape="1">
+            <a:gsLst>
+              <a:gs pos="0">
+                <a:schemeClr val="accent2"/>
+              </a:gs>
+              <a:gs pos="100000">
+                <a:schemeClr val="bg1"/>
+              </a:gs>
+            </a:gsLst>
+            <a:lin ang="5400000" scaled="1"/>
+          </a:gradFill>
+          <a:ln w="9525" algn="ctr">
+            <a:solidFill>
+              <a:schemeClr val="tx1"/>
+            </a:solidFill>
+            <a:miter lim="800000"/>
+            <a:headEnd/>
+            <a:tailEnd/>
+          </a:ln>
+          <a:effectLst>
+            <a:outerShdw blurRad="50800" dist="38100" dir="2700000" algn="tl" rotWithShape="0">
+              <a:prstClr val="black">
+                <a:alpha val="40000"/>
+              </a:prstClr>
+            </a:outerShdw>
+          </a:effectLst>
+        </p:spPr>
         <p:txBody>
-          <a:bodyPr/>
+          <a:bodyPr wrap="none" rtlCol="0" anchor="ctr"/>
           <a:lstStyle/>
           <a:p>
-            <a:endParaRPr lang="en-US"/>
+            <a:pPr algn="ctr"/>
+            <a:endParaRPr lang="en-US" sz="2000" dirty="0">
+              <a:latin typeface="Tekton Pro" pitchFamily="34" charset="0"/>
+            </a:endParaRPr>
+          </a:p>
+        </p:txBody>
+      </p:sp>
+      <p:sp>
+        <p:nvSpPr>
+          <p:cNvPr id="11" name="Down Arrow 10">
+            <a:extLst>
+              <a:ext uri="{FF2B5EF4-FFF2-40B4-BE49-F238E27FC236}">
+                <a16:creationId xmlns:a16="http://schemas.microsoft.com/office/drawing/2014/main" id="{A51184F4-01BE-4425-B2A2-AF760F74B3E3}"/>
+              </a:ext>
+            </a:extLst>
+          </p:cNvPr>
+          <p:cNvSpPr/>
+          <p:nvPr/>
+        </p:nvSpPr>
+        <p:spPr bwMode="auto">
+          <a:xfrm rot="2489159">
+            <a:off x="2832877" y="2769887"/>
+            <a:ext cx="685800" cy="990600"/>
+          </a:xfrm>
+          <a:prstGeom prst="downArrow">
+            <a:avLst/>
+          </a:prstGeom>
+          <a:gradFill rotWithShape="1">
+            <a:gsLst>
+              <a:gs pos="0">
+                <a:schemeClr val="accent2"/>
+              </a:gs>
+              <a:gs pos="100000">
+                <a:schemeClr val="bg1"/>
+              </a:gs>
+            </a:gsLst>
+            <a:lin ang="5400000" scaled="1"/>
+          </a:gradFill>
+          <a:ln w="9525" algn="ctr">
+            <a:solidFill>
+              <a:schemeClr val="tx1"/>
+            </a:solidFill>
+            <a:miter lim="800000"/>
+            <a:headEnd/>
+            <a:tailEnd/>
+          </a:ln>
+          <a:effectLst>
+            <a:outerShdw blurRad="50800" dist="38100" dir="2700000" algn="tl" rotWithShape="0">
+              <a:prstClr val="black">
+                <a:alpha val="40000"/>
+              </a:prstClr>
+            </a:outerShdw>
+          </a:effectLst>
+        </p:spPr>
+        <p:txBody>
+          <a:bodyPr wrap="none" rtlCol="0" anchor="ctr"/>
+          <a:lstStyle/>
+          <a:p>
+            <a:pPr algn="ctr"/>
+            <a:endParaRPr lang="en-US" sz="2000" dirty="0">
+              <a:latin typeface="Tekton Pro" pitchFamily="34" charset="0"/>
+            </a:endParaRPr>
+          </a:p>
+        </p:txBody>
+      </p:sp>
+      <p:sp>
+        <p:nvSpPr>
+          <p:cNvPr id="13" name="Oval 12">
+            <a:extLst>
+              <a:ext uri="{FF2B5EF4-FFF2-40B4-BE49-F238E27FC236}">
+                <a16:creationId xmlns:a16="http://schemas.microsoft.com/office/drawing/2014/main" id="{07D8B859-74DC-463E-9BEF-8A431E3F3541}"/>
+              </a:ext>
+            </a:extLst>
+          </p:cNvPr>
+          <p:cNvSpPr/>
+          <p:nvPr/>
+        </p:nvSpPr>
+        <p:spPr bwMode="auto">
+          <a:xfrm>
+            <a:off x="3390900" y="1333500"/>
+            <a:ext cx="2209800" cy="1905000"/>
+          </a:xfrm>
+          <a:prstGeom prst="ellipse">
+            <a:avLst/>
+          </a:prstGeom>
+          <a:solidFill>
+            <a:srgbClr val="D3D3A9"/>
+          </a:solidFill>
+          <a:ln>
+            <a:solidFill>
+              <a:schemeClr val="tx2"/>
+            </a:solidFill>
+            <a:headEnd/>
+            <a:tailEnd/>
+          </a:ln>
+        </p:spPr>
+        <p:style>
+          <a:lnRef idx="1">
+            <a:schemeClr val="accent1"/>
+          </a:lnRef>
+          <a:fillRef idx="2">
+            <a:schemeClr val="accent1"/>
+          </a:fillRef>
+          <a:effectRef idx="1">
+            <a:schemeClr val="accent1"/>
+          </a:effectRef>
+          <a:fontRef idx="minor">
+            <a:schemeClr val="dk1"/>
+          </a:fontRef>
+        </p:style>
+        <p:txBody>
+          <a:bodyPr wrap="none" rtlCol="0" anchor="ctr"/>
+          <a:lstStyle>
+            <a:defPPr>
+              <a:defRPr lang="en-US"/>
+            </a:defPPr>
+            <a:lvl1pPr algn="ctr" rtl="0" eaLnBrk="0" fontAlgn="base" hangingPunct="0">
+              <a:spcBef>
+                <a:spcPct val="0"/>
+              </a:spcBef>
+              <a:spcAft>
+                <a:spcPct val="0"/>
+              </a:spcAft>
+              <a:defRPr sz="1600" b="1" kern="1200">
+                <a:solidFill>
+                  <a:schemeClr val="dk1"/>
+                </a:solidFill>
+                <a:latin typeface="+mn-lt"/>
+                <a:ea typeface="+mn-ea"/>
+                <a:cs typeface="+mn-cs"/>
+              </a:defRPr>
+            </a:lvl1pPr>
+            <a:lvl2pPr marL="457200" algn="ctr" rtl="0" eaLnBrk="0" fontAlgn="base" hangingPunct="0">
+              <a:spcBef>
+                <a:spcPct val="0"/>
+              </a:spcBef>
+              <a:spcAft>
+                <a:spcPct val="0"/>
+              </a:spcAft>
+              <a:defRPr sz="1600" b="1" kern="1200">
+                <a:solidFill>
+                  <a:schemeClr val="dk1"/>
+                </a:solidFill>
+                <a:latin typeface="+mn-lt"/>
+                <a:ea typeface="+mn-ea"/>
+                <a:cs typeface="+mn-cs"/>
+              </a:defRPr>
+            </a:lvl2pPr>
+            <a:lvl3pPr marL="914400" algn="ctr" rtl="0" eaLnBrk="0" fontAlgn="base" hangingPunct="0">
+              <a:spcBef>
+                <a:spcPct val="0"/>
+              </a:spcBef>
+              <a:spcAft>
+                <a:spcPct val="0"/>
+              </a:spcAft>
+              <a:defRPr sz="1600" b="1" kern="1200">
+                <a:solidFill>
+                  <a:schemeClr val="dk1"/>
+                </a:solidFill>
+                <a:latin typeface="+mn-lt"/>
+                <a:ea typeface="+mn-ea"/>
+                <a:cs typeface="+mn-cs"/>
+              </a:defRPr>
+            </a:lvl3pPr>
+            <a:lvl4pPr marL="1371600" algn="ctr" rtl="0" eaLnBrk="0" fontAlgn="base" hangingPunct="0">
+              <a:spcBef>
+                <a:spcPct val="0"/>
+              </a:spcBef>
+              <a:spcAft>
+                <a:spcPct val="0"/>
+              </a:spcAft>
+              <a:defRPr sz="1600" b="1" kern="1200">
+                <a:solidFill>
+                  <a:schemeClr val="dk1"/>
+                </a:solidFill>
+                <a:latin typeface="+mn-lt"/>
+                <a:ea typeface="+mn-ea"/>
+                <a:cs typeface="+mn-cs"/>
+              </a:defRPr>
+            </a:lvl4pPr>
+            <a:lvl5pPr marL="1828800" algn="ctr" rtl="0" eaLnBrk="0" fontAlgn="base" hangingPunct="0">
+              <a:spcBef>
+                <a:spcPct val="0"/>
+              </a:spcBef>
+              <a:spcAft>
+                <a:spcPct val="0"/>
+              </a:spcAft>
+              <a:defRPr sz="1600" b="1" kern="1200">
+                <a:solidFill>
+                  <a:schemeClr val="dk1"/>
+                </a:solidFill>
+                <a:latin typeface="+mn-lt"/>
+                <a:ea typeface="+mn-ea"/>
+                <a:cs typeface="+mn-cs"/>
+              </a:defRPr>
+            </a:lvl5pPr>
+            <a:lvl6pPr marL="2286000" algn="l" defTabSz="914400" rtl="0" eaLnBrk="1" latinLnBrk="0" hangingPunct="1">
+              <a:defRPr sz="1600" b="1" kern="1200">
+                <a:solidFill>
+                  <a:schemeClr val="dk1"/>
+                </a:solidFill>
+                <a:latin typeface="+mn-lt"/>
+                <a:ea typeface="+mn-ea"/>
+                <a:cs typeface="+mn-cs"/>
+              </a:defRPr>
+            </a:lvl6pPr>
+            <a:lvl7pPr marL="2743200" algn="l" defTabSz="914400" rtl="0" eaLnBrk="1" latinLnBrk="0" hangingPunct="1">
+              <a:defRPr sz="1600" b="1" kern="1200">
+                <a:solidFill>
+                  <a:schemeClr val="dk1"/>
+                </a:solidFill>
+                <a:latin typeface="+mn-lt"/>
+                <a:ea typeface="+mn-ea"/>
+                <a:cs typeface="+mn-cs"/>
+              </a:defRPr>
+            </a:lvl7pPr>
+            <a:lvl8pPr marL="3200400" algn="l" defTabSz="914400" rtl="0" eaLnBrk="1" latinLnBrk="0" hangingPunct="1">
+              <a:defRPr sz="1600" b="1" kern="1200">
+                <a:solidFill>
+                  <a:schemeClr val="dk1"/>
+                </a:solidFill>
+                <a:latin typeface="+mn-lt"/>
+                <a:ea typeface="+mn-ea"/>
+                <a:cs typeface="+mn-cs"/>
+              </a:defRPr>
+            </a:lvl8pPr>
+            <a:lvl9pPr marL="3657600" algn="l" defTabSz="914400" rtl="0" eaLnBrk="1" latinLnBrk="0" hangingPunct="1">
+              <a:defRPr sz="1600" b="1" kern="1200">
+                <a:solidFill>
+                  <a:schemeClr val="dk1"/>
+                </a:solidFill>
+                <a:latin typeface="+mn-lt"/>
+                <a:ea typeface="+mn-ea"/>
+                <a:cs typeface="+mn-cs"/>
+              </a:defRPr>
+            </a:lvl9pPr>
+          </a:lstStyle>
+          <a:p>
+            <a:pPr algn="ctr"/>
+            <a:r>
+              <a:rPr lang="en-US" sz="2000" dirty="0">
+                <a:latin typeface="Tekton Pro" pitchFamily="34" charset="0"/>
+              </a:rPr>
+              <a:t>MVC Framework</a:t>
+            </a:r>
+          </a:p>
+        </p:txBody>
+      </p:sp>
+      <p:sp>
+        <p:nvSpPr>
+          <p:cNvPr id="14" name="Oval 13">
+            <a:extLst>
+              <a:ext uri="{FF2B5EF4-FFF2-40B4-BE49-F238E27FC236}">
+                <a16:creationId xmlns:a16="http://schemas.microsoft.com/office/drawing/2014/main" id="{6904A4EA-4E81-4CB8-AF8F-A1168B1AC796}"/>
+              </a:ext>
+            </a:extLst>
+          </p:cNvPr>
+          <p:cNvSpPr/>
+          <p:nvPr/>
+        </p:nvSpPr>
+        <p:spPr bwMode="auto">
+          <a:xfrm>
+            <a:off x="1333500" y="3619500"/>
+            <a:ext cx="2209800" cy="1905000"/>
+          </a:xfrm>
+          <a:prstGeom prst="ellipse">
+            <a:avLst/>
+          </a:prstGeom>
+          <a:solidFill>
+            <a:srgbClr val="D3D3A9"/>
+          </a:solidFill>
+          <a:ln>
+            <a:solidFill>
+              <a:schemeClr val="tx2"/>
+            </a:solidFill>
+            <a:headEnd/>
+            <a:tailEnd/>
+          </a:ln>
+        </p:spPr>
+        <p:style>
+          <a:lnRef idx="1">
+            <a:schemeClr val="accent1"/>
+          </a:lnRef>
+          <a:fillRef idx="2">
+            <a:schemeClr val="accent1"/>
+          </a:fillRef>
+          <a:effectRef idx="1">
+            <a:schemeClr val="accent1"/>
+          </a:effectRef>
+          <a:fontRef idx="minor">
+            <a:schemeClr val="dk1"/>
+          </a:fontRef>
+        </p:style>
+        <p:txBody>
+          <a:bodyPr wrap="none" rtlCol="0" anchor="ctr"/>
+          <a:lstStyle>
+            <a:defPPr>
+              <a:defRPr lang="en-US"/>
+            </a:defPPr>
+            <a:lvl1pPr algn="ctr" rtl="0" eaLnBrk="0" fontAlgn="base" hangingPunct="0">
+              <a:spcBef>
+                <a:spcPct val="0"/>
+              </a:spcBef>
+              <a:spcAft>
+                <a:spcPct val="0"/>
+              </a:spcAft>
+              <a:defRPr sz="1600" b="1" kern="1200">
+                <a:solidFill>
+                  <a:schemeClr val="dk1"/>
+                </a:solidFill>
+                <a:latin typeface="+mn-lt"/>
+                <a:ea typeface="+mn-ea"/>
+                <a:cs typeface="+mn-cs"/>
+              </a:defRPr>
+            </a:lvl1pPr>
+            <a:lvl2pPr marL="457200" algn="ctr" rtl="0" eaLnBrk="0" fontAlgn="base" hangingPunct="0">
+              <a:spcBef>
+                <a:spcPct val="0"/>
+              </a:spcBef>
+              <a:spcAft>
+                <a:spcPct val="0"/>
+              </a:spcAft>
+              <a:defRPr sz="1600" b="1" kern="1200">
+                <a:solidFill>
+                  <a:schemeClr val="dk1"/>
+                </a:solidFill>
+                <a:latin typeface="+mn-lt"/>
+                <a:ea typeface="+mn-ea"/>
+                <a:cs typeface="+mn-cs"/>
+              </a:defRPr>
+            </a:lvl2pPr>
+            <a:lvl3pPr marL="914400" algn="ctr" rtl="0" eaLnBrk="0" fontAlgn="base" hangingPunct="0">
+              <a:spcBef>
+                <a:spcPct val="0"/>
+              </a:spcBef>
+              <a:spcAft>
+                <a:spcPct val="0"/>
+              </a:spcAft>
+              <a:defRPr sz="1600" b="1" kern="1200">
+                <a:solidFill>
+                  <a:schemeClr val="dk1"/>
+                </a:solidFill>
+                <a:latin typeface="+mn-lt"/>
+                <a:ea typeface="+mn-ea"/>
+                <a:cs typeface="+mn-cs"/>
+              </a:defRPr>
+            </a:lvl3pPr>
+            <a:lvl4pPr marL="1371600" algn="ctr" rtl="0" eaLnBrk="0" fontAlgn="base" hangingPunct="0">
+              <a:spcBef>
+                <a:spcPct val="0"/>
+              </a:spcBef>
+              <a:spcAft>
+                <a:spcPct val="0"/>
+              </a:spcAft>
+              <a:defRPr sz="1600" b="1" kern="1200">
+                <a:solidFill>
+                  <a:schemeClr val="dk1"/>
+                </a:solidFill>
+                <a:latin typeface="+mn-lt"/>
+                <a:ea typeface="+mn-ea"/>
+                <a:cs typeface="+mn-cs"/>
+              </a:defRPr>
+            </a:lvl4pPr>
+            <a:lvl5pPr marL="1828800" algn="ctr" rtl="0" eaLnBrk="0" fontAlgn="base" hangingPunct="0">
+              <a:spcBef>
+                <a:spcPct val="0"/>
+              </a:spcBef>
+              <a:spcAft>
+                <a:spcPct val="0"/>
+              </a:spcAft>
+              <a:defRPr sz="1600" b="1" kern="1200">
+                <a:solidFill>
+                  <a:schemeClr val="dk1"/>
+                </a:solidFill>
+                <a:latin typeface="+mn-lt"/>
+                <a:ea typeface="+mn-ea"/>
+                <a:cs typeface="+mn-cs"/>
+              </a:defRPr>
+            </a:lvl5pPr>
+            <a:lvl6pPr marL="2286000" algn="l" defTabSz="914400" rtl="0" eaLnBrk="1" latinLnBrk="0" hangingPunct="1">
+              <a:defRPr sz="1600" b="1" kern="1200">
+                <a:solidFill>
+                  <a:schemeClr val="dk1"/>
+                </a:solidFill>
+                <a:latin typeface="+mn-lt"/>
+                <a:ea typeface="+mn-ea"/>
+                <a:cs typeface="+mn-cs"/>
+              </a:defRPr>
+            </a:lvl6pPr>
+            <a:lvl7pPr marL="2743200" algn="l" defTabSz="914400" rtl="0" eaLnBrk="1" latinLnBrk="0" hangingPunct="1">
+              <a:defRPr sz="1600" b="1" kern="1200">
+                <a:solidFill>
+                  <a:schemeClr val="dk1"/>
+                </a:solidFill>
+                <a:latin typeface="+mn-lt"/>
+                <a:ea typeface="+mn-ea"/>
+                <a:cs typeface="+mn-cs"/>
+              </a:defRPr>
+            </a:lvl7pPr>
+            <a:lvl8pPr marL="3200400" algn="l" defTabSz="914400" rtl="0" eaLnBrk="1" latinLnBrk="0" hangingPunct="1">
+              <a:defRPr sz="1600" b="1" kern="1200">
+                <a:solidFill>
+                  <a:schemeClr val="dk1"/>
+                </a:solidFill>
+                <a:latin typeface="+mn-lt"/>
+                <a:ea typeface="+mn-ea"/>
+                <a:cs typeface="+mn-cs"/>
+              </a:defRPr>
+            </a:lvl8pPr>
+            <a:lvl9pPr marL="3657600" algn="l" defTabSz="914400" rtl="0" eaLnBrk="1" latinLnBrk="0" hangingPunct="1">
+              <a:defRPr sz="1600" b="1" kern="1200">
+                <a:solidFill>
+                  <a:schemeClr val="dk1"/>
+                </a:solidFill>
+                <a:latin typeface="+mn-lt"/>
+                <a:ea typeface="+mn-ea"/>
+                <a:cs typeface="+mn-cs"/>
+              </a:defRPr>
+            </a:lvl9pPr>
+          </a:lstStyle>
+          <a:p>
+            <a:pPr algn="ctr"/>
+            <a:r>
+              <a:rPr lang="en-US" sz="2000" dirty="0">
+                <a:latin typeface="Tekton Pro" pitchFamily="34" charset="0"/>
+              </a:rPr>
+              <a:t>Controllers</a:t>
+            </a:r>
+          </a:p>
+          <a:p>
+            <a:pPr algn="ctr"/>
+            <a:r>
+              <a:rPr lang="en-US" sz="2000" dirty="0">
+                <a:latin typeface="Tekton Pro" pitchFamily="34" charset="0"/>
+              </a:rPr>
+              <a:t>(for APIs)</a:t>
+            </a:r>
+          </a:p>
+        </p:txBody>
+      </p:sp>
+      <p:sp>
+        <p:nvSpPr>
+          <p:cNvPr id="15" name="Oval 14">
+            <a:extLst>
+              <a:ext uri="{FF2B5EF4-FFF2-40B4-BE49-F238E27FC236}">
+                <a16:creationId xmlns:a16="http://schemas.microsoft.com/office/drawing/2014/main" id="{0B7390BB-562E-4447-B05F-71E19BF6692B}"/>
+              </a:ext>
+            </a:extLst>
+          </p:cNvPr>
+          <p:cNvSpPr/>
+          <p:nvPr/>
+        </p:nvSpPr>
+        <p:spPr bwMode="auto">
+          <a:xfrm>
+            <a:off x="5600700" y="3543300"/>
+            <a:ext cx="2209800" cy="1905000"/>
+          </a:xfrm>
+          <a:prstGeom prst="ellipse">
+            <a:avLst/>
+          </a:prstGeom>
+          <a:solidFill>
+            <a:srgbClr val="D3D3A9"/>
+          </a:solidFill>
+          <a:ln>
+            <a:solidFill>
+              <a:schemeClr val="tx2"/>
+            </a:solidFill>
+            <a:headEnd/>
+            <a:tailEnd/>
+          </a:ln>
+        </p:spPr>
+        <p:style>
+          <a:lnRef idx="1">
+            <a:schemeClr val="accent1"/>
+          </a:lnRef>
+          <a:fillRef idx="2">
+            <a:schemeClr val="accent1"/>
+          </a:fillRef>
+          <a:effectRef idx="1">
+            <a:schemeClr val="accent1"/>
+          </a:effectRef>
+          <a:fontRef idx="minor">
+            <a:schemeClr val="dk1"/>
+          </a:fontRef>
+        </p:style>
+        <p:txBody>
+          <a:bodyPr wrap="none" rtlCol="0" anchor="ctr"/>
+          <a:lstStyle>
+            <a:defPPr>
+              <a:defRPr lang="en-US"/>
+            </a:defPPr>
+            <a:lvl1pPr algn="ctr" rtl="0" eaLnBrk="0" fontAlgn="base" hangingPunct="0">
+              <a:spcBef>
+                <a:spcPct val="0"/>
+              </a:spcBef>
+              <a:spcAft>
+                <a:spcPct val="0"/>
+              </a:spcAft>
+              <a:defRPr sz="1600" b="1" kern="1200">
+                <a:solidFill>
+                  <a:schemeClr val="dk1"/>
+                </a:solidFill>
+                <a:latin typeface="+mn-lt"/>
+                <a:ea typeface="+mn-ea"/>
+                <a:cs typeface="+mn-cs"/>
+              </a:defRPr>
+            </a:lvl1pPr>
+            <a:lvl2pPr marL="457200" algn="ctr" rtl="0" eaLnBrk="0" fontAlgn="base" hangingPunct="0">
+              <a:spcBef>
+                <a:spcPct val="0"/>
+              </a:spcBef>
+              <a:spcAft>
+                <a:spcPct val="0"/>
+              </a:spcAft>
+              <a:defRPr sz="1600" b="1" kern="1200">
+                <a:solidFill>
+                  <a:schemeClr val="dk1"/>
+                </a:solidFill>
+                <a:latin typeface="+mn-lt"/>
+                <a:ea typeface="+mn-ea"/>
+                <a:cs typeface="+mn-cs"/>
+              </a:defRPr>
+            </a:lvl2pPr>
+            <a:lvl3pPr marL="914400" algn="ctr" rtl="0" eaLnBrk="0" fontAlgn="base" hangingPunct="0">
+              <a:spcBef>
+                <a:spcPct val="0"/>
+              </a:spcBef>
+              <a:spcAft>
+                <a:spcPct val="0"/>
+              </a:spcAft>
+              <a:defRPr sz="1600" b="1" kern="1200">
+                <a:solidFill>
+                  <a:schemeClr val="dk1"/>
+                </a:solidFill>
+                <a:latin typeface="+mn-lt"/>
+                <a:ea typeface="+mn-ea"/>
+                <a:cs typeface="+mn-cs"/>
+              </a:defRPr>
+            </a:lvl3pPr>
+            <a:lvl4pPr marL="1371600" algn="ctr" rtl="0" eaLnBrk="0" fontAlgn="base" hangingPunct="0">
+              <a:spcBef>
+                <a:spcPct val="0"/>
+              </a:spcBef>
+              <a:spcAft>
+                <a:spcPct val="0"/>
+              </a:spcAft>
+              <a:defRPr sz="1600" b="1" kern="1200">
+                <a:solidFill>
+                  <a:schemeClr val="dk1"/>
+                </a:solidFill>
+                <a:latin typeface="+mn-lt"/>
+                <a:ea typeface="+mn-ea"/>
+                <a:cs typeface="+mn-cs"/>
+              </a:defRPr>
+            </a:lvl4pPr>
+            <a:lvl5pPr marL="1828800" algn="ctr" rtl="0" eaLnBrk="0" fontAlgn="base" hangingPunct="0">
+              <a:spcBef>
+                <a:spcPct val="0"/>
+              </a:spcBef>
+              <a:spcAft>
+                <a:spcPct val="0"/>
+              </a:spcAft>
+              <a:defRPr sz="1600" b="1" kern="1200">
+                <a:solidFill>
+                  <a:schemeClr val="dk1"/>
+                </a:solidFill>
+                <a:latin typeface="+mn-lt"/>
+                <a:ea typeface="+mn-ea"/>
+                <a:cs typeface="+mn-cs"/>
+              </a:defRPr>
+            </a:lvl5pPr>
+            <a:lvl6pPr marL="2286000" algn="l" defTabSz="914400" rtl="0" eaLnBrk="1" latinLnBrk="0" hangingPunct="1">
+              <a:defRPr sz="1600" b="1" kern="1200">
+                <a:solidFill>
+                  <a:schemeClr val="dk1"/>
+                </a:solidFill>
+                <a:latin typeface="+mn-lt"/>
+                <a:ea typeface="+mn-ea"/>
+                <a:cs typeface="+mn-cs"/>
+              </a:defRPr>
+            </a:lvl6pPr>
+            <a:lvl7pPr marL="2743200" algn="l" defTabSz="914400" rtl="0" eaLnBrk="1" latinLnBrk="0" hangingPunct="1">
+              <a:defRPr sz="1600" b="1" kern="1200">
+                <a:solidFill>
+                  <a:schemeClr val="dk1"/>
+                </a:solidFill>
+                <a:latin typeface="+mn-lt"/>
+                <a:ea typeface="+mn-ea"/>
+                <a:cs typeface="+mn-cs"/>
+              </a:defRPr>
+            </a:lvl7pPr>
+            <a:lvl8pPr marL="3200400" algn="l" defTabSz="914400" rtl="0" eaLnBrk="1" latinLnBrk="0" hangingPunct="1">
+              <a:defRPr sz="1600" b="1" kern="1200">
+                <a:solidFill>
+                  <a:schemeClr val="dk1"/>
+                </a:solidFill>
+                <a:latin typeface="+mn-lt"/>
+                <a:ea typeface="+mn-ea"/>
+                <a:cs typeface="+mn-cs"/>
+              </a:defRPr>
+            </a:lvl8pPr>
+            <a:lvl9pPr marL="3657600" algn="l" defTabSz="914400" rtl="0" eaLnBrk="1" latinLnBrk="0" hangingPunct="1">
+              <a:defRPr sz="1600" b="1" kern="1200">
+                <a:solidFill>
+                  <a:schemeClr val="dk1"/>
+                </a:solidFill>
+                <a:latin typeface="+mn-lt"/>
+                <a:ea typeface="+mn-ea"/>
+                <a:cs typeface="+mn-cs"/>
+              </a:defRPr>
+            </a:lvl9pPr>
+          </a:lstStyle>
+          <a:p>
+            <a:pPr algn="ctr"/>
+            <a:r>
+              <a:rPr lang="en-US" sz="2000" dirty="0">
+                <a:latin typeface="Tekton Pro" pitchFamily="34" charset="0"/>
+              </a:rPr>
+              <a:t>Razor Pages</a:t>
+            </a:r>
+          </a:p>
+          <a:p>
+            <a:pPr algn="ctr"/>
+            <a:r>
+              <a:rPr lang="en-US" sz="2000" dirty="0">
+                <a:latin typeface="Tekton Pro" pitchFamily="34" charset="0"/>
+              </a:rPr>
+              <a:t>(for HTML)</a:t>
+            </a:r>
+          </a:p>
+        </p:txBody>
+      </p:sp>
+      <p:sp>
+        <p:nvSpPr>
+          <p:cNvPr id="16" name="Oval 15">
+            <a:extLst>
+              <a:ext uri="{FF2B5EF4-FFF2-40B4-BE49-F238E27FC236}">
+                <a16:creationId xmlns:a16="http://schemas.microsoft.com/office/drawing/2014/main" id="{ECB2373D-B76E-4CD2-B495-9D22C6E10DA6}"/>
+              </a:ext>
+            </a:extLst>
+          </p:cNvPr>
+          <p:cNvSpPr/>
+          <p:nvPr/>
+        </p:nvSpPr>
+        <p:spPr bwMode="auto">
+          <a:xfrm>
+            <a:off x="152400" y="4648200"/>
+            <a:ext cx="2209800" cy="1905000"/>
+          </a:xfrm>
+          <a:prstGeom prst="ellipse">
+            <a:avLst/>
+          </a:prstGeom>
+          <a:solidFill>
+            <a:srgbClr val="D3D3A9"/>
+          </a:solidFill>
+          <a:ln>
+            <a:solidFill>
+              <a:schemeClr val="tx2"/>
+            </a:solidFill>
+            <a:headEnd/>
+            <a:tailEnd/>
+          </a:ln>
+        </p:spPr>
+        <p:style>
+          <a:lnRef idx="1">
+            <a:schemeClr val="accent1"/>
+          </a:lnRef>
+          <a:fillRef idx="2">
+            <a:schemeClr val="accent1"/>
+          </a:fillRef>
+          <a:effectRef idx="1">
+            <a:schemeClr val="accent1"/>
+          </a:effectRef>
+          <a:fontRef idx="minor">
+            <a:schemeClr val="dk1"/>
+          </a:fontRef>
+        </p:style>
+        <p:txBody>
+          <a:bodyPr wrap="none" rtlCol="0" anchor="ctr"/>
+          <a:lstStyle>
+            <a:defPPr>
+              <a:defRPr lang="en-US"/>
+            </a:defPPr>
+            <a:lvl1pPr algn="ctr" rtl="0" eaLnBrk="0" fontAlgn="base" hangingPunct="0">
+              <a:spcBef>
+                <a:spcPct val="0"/>
+              </a:spcBef>
+              <a:spcAft>
+                <a:spcPct val="0"/>
+              </a:spcAft>
+              <a:defRPr sz="1600" b="1" kern="1200">
+                <a:solidFill>
+                  <a:schemeClr val="dk1"/>
+                </a:solidFill>
+                <a:latin typeface="+mn-lt"/>
+                <a:ea typeface="+mn-ea"/>
+                <a:cs typeface="+mn-cs"/>
+              </a:defRPr>
+            </a:lvl1pPr>
+            <a:lvl2pPr marL="457200" algn="ctr" rtl="0" eaLnBrk="0" fontAlgn="base" hangingPunct="0">
+              <a:spcBef>
+                <a:spcPct val="0"/>
+              </a:spcBef>
+              <a:spcAft>
+                <a:spcPct val="0"/>
+              </a:spcAft>
+              <a:defRPr sz="1600" b="1" kern="1200">
+                <a:solidFill>
+                  <a:schemeClr val="dk1"/>
+                </a:solidFill>
+                <a:latin typeface="+mn-lt"/>
+                <a:ea typeface="+mn-ea"/>
+                <a:cs typeface="+mn-cs"/>
+              </a:defRPr>
+            </a:lvl2pPr>
+            <a:lvl3pPr marL="914400" algn="ctr" rtl="0" eaLnBrk="0" fontAlgn="base" hangingPunct="0">
+              <a:spcBef>
+                <a:spcPct val="0"/>
+              </a:spcBef>
+              <a:spcAft>
+                <a:spcPct val="0"/>
+              </a:spcAft>
+              <a:defRPr sz="1600" b="1" kern="1200">
+                <a:solidFill>
+                  <a:schemeClr val="dk1"/>
+                </a:solidFill>
+                <a:latin typeface="+mn-lt"/>
+                <a:ea typeface="+mn-ea"/>
+                <a:cs typeface="+mn-cs"/>
+              </a:defRPr>
+            </a:lvl3pPr>
+            <a:lvl4pPr marL="1371600" algn="ctr" rtl="0" eaLnBrk="0" fontAlgn="base" hangingPunct="0">
+              <a:spcBef>
+                <a:spcPct val="0"/>
+              </a:spcBef>
+              <a:spcAft>
+                <a:spcPct val="0"/>
+              </a:spcAft>
+              <a:defRPr sz="1600" b="1" kern="1200">
+                <a:solidFill>
+                  <a:schemeClr val="dk1"/>
+                </a:solidFill>
+                <a:latin typeface="+mn-lt"/>
+                <a:ea typeface="+mn-ea"/>
+                <a:cs typeface="+mn-cs"/>
+              </a:defRPr>
+            </a:lvl4pPr>
+            <a:lvl5pPr marL="1828800" algn="ctr" rtl="0" eaLnBrk="0" fontAlgn="base" hangingPunct="0">
+              <a:spcBef>
+                <a:spcPct val="0"/>
+              </a:spcBef>
+              <a:spcAft>
+                <a:spcPct val="0"/>
+              </a:spcAft>
+              <a:defRPr sz="1600" b="1" kern="1200">
+                <a:solidFill>
+                  <a:schemeClr val="dk1"/>
+                </a:solidFill>
+                <a:latin typeface="+mn-lt"/>
+                <a:ea typeface="+mn-ea"/>
+                <a:cs typeface="+mn-cs"/>
+              </a:defRPr>
+            </a:lvl5pPr>
+            <a:lvl6pPr marL="2286000" algn="l" defTabSz="914400" rtl="0" eaLnBrk="1" latinLnBrk="0" hangingPunct="1">
+              <a:defRPr sz="1600" b="1" kern="1200">
+                <a:solidFill>
+                  <a:schemeClr val="dk1"/>
+                </a:solidFill>
+                <a:latin typeface="+mn-lt"/>
+                <a:ea typeface="+mn-ea"/>
+                <a:cs typeface="+mn-cs"/>
+              </a:defRPr>
+            </a:lvl6pPr>
+            <a:lvl7pPr marL="2743200" algn="l" defTabSz="914400" rtl="0" eaLnBrk="1" latinLnBrk="0" hangingPunct="1">
+              <a:defRPr sz="1600" b="1" kern="1200">
+                <a:solidFill>
+                  <a:schemeClr val="dk1"/>
+                </a:solidFill>
+                <a:latin typeface="+mn-lt"/>
+                <a:ea typeface="+mn-ea"/>
+                <a:cs typeface="+mn-cs"/>
+              </a:defRPr>
+            </a:lvl7pPr>
+            <a:lvl8pPr marL="3200400" algn="l" defTabSz="914400" rtl="0" eaLnBrk="1" latinLnBrk="0" hangingPunct="1">
+              <a:defRPr sz="1600" b="1" kern="1200">
+                <a:solidFill>
+                  <a:schemeClr val="dk1"/>
+                </a:solidFill>
+                <a:latin typeface="+mn-lt"/>
+                <a:ea typeface="+mn-ea"/>
+                <a:cs typeface="+mn-cs"/>
+              </a:defRPr>
+            </a:lvl8pPr>
+            <a:lvl9pPr marL="3657600" algn="l" defTabSz="914400" rtl="0" eaLnBrk="1" latinLnBrk="0" hangingPunct="1">
+              <a:defRPr sz="1600" b="1" kern="1200">
+                <a:solidFill>
+                  <a:schemeClr val="dk1"/>
+                </a:solidFill>
+                <a:latin typeface="+mn-lt"/>
+                <a:ea typeface="+mn-ea"/>
+                <a:cs typeface="+mn-cs"/>
+              </a:defRPr>
+            </a:lvl9pPr>
+          </a:lstStyle>
+          <a:p>
+            <a:pPr algn="ctr"/>
+            <a:r>
+              <a:rPr lang="en-US" sz="2000" dirty="0" err="1">
+                <a:latin typeface="Tekton Pro" pitchFamily="34" charset="0"/>
+              </a:rPr>
+              <a:t>SignalR</a:t>
+            </a:r>
+            <a:endParaRPr lang="en-US" sz="2000" dirty="0">
+              <a:latin typeface="Tekton Pro" pitchFamily="34" charset="0"/>
+            </a:endParaRPr>
+          </a:p>
+          <a:p>
+            <a:pPr algn="ctr"/>
+            <a:r>
+              <a:rPr lang="en-US" sz="2000" dirty="0">
+                <a:latin typeface="Tekton Pro" pitchFamily="34" charset="0"/>
+              </a:rPr>
+              <a:t>(for Realtime)</a:t>
+            </a:r>
+          </a:p>
+        </p:txBody>
+      </p:sp>
+      <p:sp>
+        <p:nvSpPr>
+          <p:cNvPr id="17" name="Oval 16">
+            <a:extLst>
+              <a:ext uri="{FF2B5EF4-FFF2-40B4-BE49-F238E27FC236}">
+                <a16:creationId xmlns:a16="http://schemas.microsoft.com/office/drawing/2014/main" id="{6E017034-4D9E-4787-B9CB-58631E5EAEB5}"/>
+              </a:ext>
+            </a:extLst>
+          </p:cNvPr>
+          <p:cNvSpPr/>
+          <p:nvPr/>
+        </p:nvSpPr>
+        <p:spPr bwMode="auto">
+          <a:xfrm>
+            <a:off x="2724150" y="4648200"/>
+            <a:ext cx="2209800" cy="1905000"/>
+          </a:xfrm>
+          <a:prstGeom prst="ellipse">
+            <a:avLst/>
+          </a:prstGeom>
+          <a:solidFill>
+            <a:srgbClr val="D3D3A9"/>
+          </a:solidFill>
+          <a:ln>
+            <a:solidFill>
+              <a:schemeClr val="tx2"/>
+            </a:solidFill>
+            <a:headEnd/>
+            <a:tailEnd/>
+          </a:ln>
+        </p:spPr>
+        <p:style>
+          <a:lnRef idx="1">
+            <a:schemeClr val="accent1"/>
+          </a:lnRef>
+          <a:fillRef idx="2">
+            <a:schemeClr val="accent1"/>
+          </a:fillRef>
+          <a:effectRef idx="1">
+            <a:schemeClr val="accent1"/>
+          </a:effectRef>
+          <a:fontRef idx="minor">
+            <a:schemeClr val="dk1"/>
+          </a:fontRef>
+        </p:style>
+        <p:txBody>
+          <a:bodyPr wrap="none" rtlCol="0" anchor="ctr"/>
+          <a:lstStyle>
+            <a:defPPr>
+              <a:defRPr lang="en-US"/>
+            </a:defPPr>
+            <a:lvl1pPr algn="ctr" rtl="0" eaLnBrk="0" fontAlgn="base" hangingPunct="0">
+              <a:spcBef>
+                <a:spcPct val="0"/>
+              </a:spcBef>
+              <a:spcAft>
+                <a:spcPct val="0"/>
+              </a:spcAft>
+              <a:defRPr sz="1600" b="1" kern="1200">
+                <a:solidFill>
+                  <a:schemeClr val="dk1"/>
+                </a:solidFill>
+                <a:latin typeface="+mn-lt"/>
+                <a:ea typeface="+mn-ea"/>
+                <a:cs typeface="+mn-cs"/>
+              </a:defRPr>
+            </a:lvl1pPr>
+            <a:lvl2pPr marL="457200" algn="ctr" rtl="0" eaLnBrk="0" fontAlgn="base" hangingPunct="0">
+              <a:spcBef>
+                <a:spcPct val="0"/>
+              </a:spcBef>
+              <a:spcAft>
+                <a:spcPct val="0"/>
+              </a:spcAft>
+              <a:defRPr sz="1600" b="1" kern="1200">
+                <a:solidFill>
+                  <a:schemeClr val="dk1"/>
+                </a:solidFill>
+                <a:latin typeface="+mn-lt"/>
+                <a:ea typeface="+mn-ea"/>
+                <a:cs typeface="+mn-cs"/>
+              </a:defRPr>
+            </a:lvl2pPr>
+            <a:lvl3pPr marL="914400" algn="ctr" rtl="0" eaLnBrk="0" fontAlgn="base" hangingPunct="0">
+              <a:spcBef>
+                <a:spcPct val="0"/>
+              </a:spcBef>
+              <a:spcAft>
+                <a:spcPct val="0"/>
+              </a:spcAft>
+              <a:defRPr sz="1600" b="1" kern="1200">
+                <a:solidFill>
+                  <a:schemeClr val="dk1"/>
+                </a:solidFill>
+                <a:latin typeface="+mn-lt"/>
+                <a:ea typeface="+mn-ea"/>
+                <a:cs typeface="+mn-cs"/>
+              </a:defRPr>
+            </a:lvl3pPr>
+            <a:lvl4pPr marL="1371600" algn="ctr" rtl="0" eaLnBrk="0" fontAlgn="base" hangingPunct="0">
+              <a:spcBef>
+                <a:spcPct val="0"/>
+              </a:spcBef>
+              <a:spcAft>
+                <a:spcPct val="0"/>
+              </a:spcAft>
+              <a:defRPr sz="1600" b="1" kern="1200">
+                <a:solidFill>
+                  <a:schemeClr val="dk1"/>
+                </a:solidFill>
+                <a:latin typeface="+mn-lt"/>
+                <a:ea typeface="+mn-ea"/>
+                <a:cs typeface="+mn-cs"/>
+              </a:defRPr>
+            </a:lvl4pPr>
+            <a:lvl5pPr marL="1828800" algn="ctr" rtl="0" eaLnBrk="0" fontAlgn="base" hangingPunct="0">
+              <a:spcBef>
+                <a:spcPct val="0"/>
+              </a:spcBef>
+              <a:spcAft>
+                <a:spcPct val="0"/>
+              </a:spcAft>
+              <a:defRPr sz="1600" b="1" kern="1200">
+                <a:solidFill>
+                  <a:schemeClr val="dk1"/>
+                </a:solidFill>
+                <a:latin typeface="+mn-lt"/>
+                <a:ea typeface="+mn-ea"/>
+                <a:cs typeface="+mn-cs"/>
+              </a:defRPr>
+            </a:lvl5pPr>
+            <a:lvl6pPr marL="2286000" algn="l" defTabSz="914400" rtl="0" eaLnBrk="1" latinLnBrk="0" hangingPunct="1">
+              <a:defRPr sz="1600" b="1" kern="1200">
+                <a:solidFill>
+                  <a:schemeClr val="dk1"/>
+                </a:solidFill>
+                <a:latin typeface="+mn-lt"/>
+                <a:ea typeface="+mn-ea"/>
+                <a:cs typeface="+mn-cs"/>
+              </a:defRPr>
+            </a:lvl6pPr>
+            <a:lvl7pPr marL="2743200" algn="l" defTabSz="914400" rtl="0" eaLnBrk="1" latinLnBrk="0" hangingPunct="1">
+              <a:defRPr sz="1600" b="1" kern="1200">
+                <a:solidFill>
+                  <a:schemeClr val="dk1"/>
+                </a:solidFill>
+                <a:latin typeface="+mn-lt"/>
+                <a:ea typeface="+mn-ea"/>
+                <a:cs typeface="+mn-cs"/>
+              </a:defRPr>
+            </a:lvl7pPr>
+            <a:lvl8pPr marL="3200400" algn="l" defTabSz="914400" rtl="0" eaLnBrk="1" latinLnBrk="0" hangingPunct="1">
+              <a:defRPr sz="1600" b="1" kern="1200">
+                <a:solidFill>
+                  <a:schemeClr val="dk1"/>
+                </a:solidFill>
+                <a:latin typeface="+mn-lt"/>
+                <a:ea typeface="+mn-ea"/>
+                <a:cs typeface="+mn-cs"/>
+              </a:defRPr>
+            </a:lvl8pPr>
+            <a:lvl9pPr marL="3657600" algn="l" defTabSz="914400" rtl="0" eaLnBrk="1" latinLnBrk="0" hangingPunct="1">
+              <a:defRPr sz="1600" b="1" kern="1200">
+                <a:solidFill>
+                  <a:schemeClr val="dk1"/>
+                </a:solidFill>
+                <a:latin typeface="+mn-lt"/>
+                <a:ea typeface="+mn-ea"/>
+                <a:cs typeface="+mn-cs"/>
+              </a:defRPr>
+            </a:lvl9pPr>
+          </a:lstStyle>
+          <a:p>
+            <a:pPr algn="ctr"/>
+            <a:r>
+              <a:rPr lang="en-US" sz="2000" dirty="0" err="1">
+                <a:latin typeface="Tekton Pro" pitchFamily="34" charset="0"/>
+              </a:rPr>
+              <a:t>gRPC</a:t>
+            </a:r>
+            <a:endParaRPr lang="en-US" sz="2000" dirty="0">
+              <a:latin typeface="Tekton Pro" pitchFamily="34" charset="0"/>
+            </a:endParaRPr>
+          </a:p>
+          <a:p>
+            <a:pPr algn="ctr"/>
+            <a:r>
+              <a:rPr lang="en-US" sz="2000" dirty="0">
+                <a:latin typeface="Tekton Pro" pitchFamily="34" charset="0"/>
+              </a:rPr>
+              <a:t>(for APIs)</a:t>
+            </a:r>
           </a:p>
         </p:txBody>
       </p:sp>
@@ -5472,6 +6416,380 @@
   <p:transition>
     <p:fade/>
   </p:transition>
+  <p:timing>
+    <p:tnLst>
+      <p:par>
+        <p:cTn id="1" dur="indefinite" restart="never" nodeType="tmRoot">
+          <p:childTnLst>
+            <p:seq concurrent="1" nextAc="seek">
+              <p:cTn id="2" dur="indefinite" nodeType="mainSeq">
+                <p:childTnLst>
+                  <p:par>
+                    <p:cTn id="3" fill="hold">
+                      <p:stCondLst>
+                        <p:cond delay="indefinite"/>
+                      </p:stCondLst>
+                      <p:childTnLst>
+                        <p:par>
+                          <p:cTn id="4" fill="hold">
+                            <p:stCondLst>
+                              <p:cond delay="0"/>
+                            </p:stCondLst>
+                            <p:childTnLst>
+                              <p:par>
+                                <p:cTn id="5" presetID="10" presetClass="entr" presetSubtype="0" fill="hold" grpId="0" nodeType="clickEffect">
+                                  <p:stCondLst>
+                                    <p:cond delay="0"/>
+                                  </p:stCondLst>
+                                  <p:childTnLst>
+                                    <p:set>
+                                      <p:cBhvr>
+                                        <p:cTn id="6" dur="1" fill="hold">
+                                          <p:stCondLst>
+                                            <p:cond delay="0"/>
+                                          </p:stCondLst>
+                                        </p:cTn>
+                                        <p:tgtEl>
+                                          <p:spTgt spid="13"/>
+                                        </p:tgtEl>
+                                        <p:attrNameLst>
+                                          <p:attrName>style.visibility</p:attrName>
+                                        </p:attrNameLst>
+                                      </p:cBhvr>
+                                      <p:to>
+                                        <p:strVal val="visible"/>
+                                      </p:to>
+                                    </p:set>
+                                    <p:animEffect transition="in" filter="fade">
+                                      <p:cBhvr>
+                                        <p:cTn id="7" dur="500"/>
+                                        <p:tgtEl>
+                                          <p:spTgt spid="13"/>
+                                        </p:tgtEl>
+                                      </p:cBhvr>
+                                    </p:animEffect>
+                                  </p:childTnLst>
+                                </p:cTn>
+                              </p:par>
+                            </p:childTnLst>
+                          </p:cTn>
+                        </p:par>
+                      </p:childTnLst>
+                    </p:cTn>
+                  </p:par>
+                  <p:par>
+                    <p:cTn id="8" fill="hold">
+                      <p:stCondLst>
+                        <p:cond delay="indefinite"/>
+                      </p:stCondLst>
+                      <p:childTnLst>
+                        <p:par>
+                          <p:cTn id="9" fill="hold">
+                            <p:stCondLst>
+                              <p:cond delay="0"/>
+                            </p:stCondLst>
+                            <p:childTnLst>
+                              <p:par>
+                                <p:cTn id="10" presetID="10" presetClass="entr" presetSubtype="0" fill="hold" grpId="0" nodeType="clickEffect">
+                                  <p:stCondLst>
+                                    <p:cond delay="0"/>
+                                  </p:stCondLst>
+                                  <p:childTnLst>
+                                    <p:set>
+                                      <p:cBhvr>
+                                        <p:cTn id="11" dur="1" fill="hold">
+                                          <p:stCondLst>
+                                            <p:cond delay="0"/>
+                                          </p:stCondLst>
+                                        </p:cTn>
+                                        <p:tgtEl>
+                                          <p:spTgt spid="11"/>
+                                        </p:tgtEl>
+                                        <p:attrNameLst>
+                                          <p:attrName>style.visibility</p:attrName>
+                                        </p:attrNameLst>
+                                      </p:cBhvr>
+                                      <p:to>
+                                        <p:strVal val="visible"/>
+                                      </p:to>
+                                    </p:set>
+                                    <p:animEffect transition="in" filter="fade">
+                                      <p:cBhvr>
+                                        <p:cTn id="12" dur="500"/>
+                                        <p:tgtEl>
+                                          <p:spTgt spid="11"/>
+                                        </p:tgtEl>
+                                      </p:cBhvr>
+                                    </p:animEffect>
+                                  </p:childTnLst>
+                                </p:cTn>
+                              </p:par>
+                              <p:par>
+                                <p:cTn id="13" presetID="10" presetClass="entr" presetSubtype="0" fill="hold" grpId="0" nodeType="withEffect">
+                                  <p:stCondLst>
+                                    <p:cond delay="0"/>
+                                  </p:stCondLst>
+                                  <p:childTnLst>
+                                    <p:set>
+                                      <p:cBhvr>
+                                        <p:cTn id="14" dur="1" fill="hold">
+                                          <p:stCondLst>
+                                            <p:cond delay="0"/>
+                                          </p:stCondLst>
+                                        </p:cTn>
+                                        <p:tgtEl>
+                                          <p:spTgt spid="14"/>
+                                        </p:tgtEl>
+                                        <p:attrNameLst>
+                                          <p:attrName>style.visibility</p:attrName>
+                                        </p:attrNameLst>
+                                      </p:cBhvr>
+                                      <p:to>
+                                        <p:strVal val="visible"/>
+                                      </p:to>
+                                    </p:set>
+                                    <p:animEffect transition="in" filter="fade">
+                                      <p:cBhvr>
+                                        <p:cTn id="15" dur="500"/>
+                                        <p:tgtEl>
+                                          <p:spTgt spid="14"/>
+                                        </p:tgtEl>
+                                      </p:cBhvr>
+                                    </p:animEffect>
+                                  </p:childTnLst>
+                                </p:cTn>
+                              </p:par>
+                            </p:childTnLst>
+                          </p:cTn>
+                        </p:par>
+                      </p:childTnLst>
+                    </p:cTn>
+                  </p:par>
+                  <p:par>
+                    <p:cTn id="16" fill="hold">
+                      <p:stCondLst>
+                        <p:cond delay="indefinite"/>
+                      </p:stCondLst>
+                      <p:childTnLst>
+                        <p:par>
+                          <p:cTn id="17" fill="hold">
+                            <p:stCondLst>
+                              <p:cond delay="0"/>
+                            </p:stCondLst>
+                            <p:childTnLst>
+                              <p:par>
+                                <p:cTn id="18" presetID="10" presetClass="entr" presetSubtype="0" fill="hold" grpId="0" nodeType="clickEffect">
+                                  <p:stCondLst>
+                                    <p:cond delay="0"/>
+                                  </p:stCondLst>
+                                  <p:childTnLst>
+                                    <p:set>
+                                      <p:cBhvr>
+                                        <p:cTn id="19" dur="1" fill="hold">
+                                          <p:stCondLst>
+                                            <p:cond delay="0"/>
+                                          </p:stCondLst>
+                                        </p:cTn>
+                                        <p:tgtEl>
+                                          <p:spTgt spid="16"/>
+                                        </p:tgtEl>
+                                        <p:attrNameLst>
+                                          <p:attrName>style.visibility</p:attrName>
+                                        </p:attrNameLst>
+                                      </p:cBhvr>
+                                      <p:to>
+                                        <p:strVal val="visible"/>
+                                      </p:to>
+                                    </p:set>
+                                    <p:animEffect transition="in" filter="fade">
+                                      <p:cBhvr>
+                                        <p:cTn id="20" dur="500"/>
+                                        <p:tgtEl>
+                                          <p:spTgt spid="16"/>
+                                        </p:tgtEl>
+                                      </p:cBhvr>
+                                    </p:animEffect>
+                                  </p:childTnLst>
+                                </p:cTn>
+                              </p:par>
+                            </p:childTnLst>
+                          </p:cTn>
+                        </p:par>
+                      </p:childTnLst>
+                    </p:cTn>
+                  </p:par>
+                  <p:par>
+                    <p:cTn id="21" fill="hold">
+                      <p:stCondLst>
+                        <p:cond delay="indefinite"/>
+                      </p:stCondLst>
+                      <p:childTnLst>
+                        <p:par>
+                          <p:cTn id="22" fill="hold">
+                            <p:stCondLst>
+                              <p:cond delay="0"/>
+                            </p:stCondLst>
+                            <p:childTnLst>
+                              <p:par>
+                                <p:cTn id="23" presetID="10" presetClass="entr" presetSubtype="0" fill="hold" grpId="0" nodeType="clickEffect">
+                                  <p:stCondLst>
+                                    <p:cond delay="0"/>
+                                  </p:stCondLst>
+                                  <p:childTnLst>
+                                    <p:set>
+                                      <p:cBhvr>
+                                        <p:cTn id="24" dur="1" fill="hold">
+                                          <p:stCondLst>
+                                            <p:cond delay="0"/>
+                                          </p:stCondLst>
+                                        </p:cTn>
+                                        <p:tgtEl>
+                                          <p:spTgt spid="17"/>
+                                        </p:tgtEl>
+                                        <p:attrNameLst>
+                                          <p:attrName>style.visibility</p:attrName>
+                                        </p:attrNameLst>
+                                      </p:cBhvr>
+                                      <p:to>
+                                        <p:strVal val="visible"/>
+                                      </p:to>
+                                    </p:set>
+                                    <p:animEffect transition="in" filter="fade">
+                                      <p:cBhvr>
+                                        <p:cTn id="25" dur="500"/>
+                                        <p:tgtEl>
+                                          <p:spTgt spid="17"/>
+                                        </p:tgtEl>
+                                      </p:cBhvr>
+                                    </p:animEffect>
+                                  </p:childTnLst>
+                                </p:cTn>
+                              </p:par>
+                            </p:childTnLst>
+                          </p:cTn>
+                        </p:par>
+                      </p:childTnLst>
+                    </p:cTn>
+                  </p:par>
+                  <p:par>
+                    <p:cTn id="26" fill="hold">
+                      <p:stCondLst>
+                        <p:cond delay="indefinite"/>
+                      </p:stCondLst>
+                      <p:childTnLst>
+                        <p:par>
+                          <p:cTn id="27" fill="hold">
+                            <p:stCondLst>
+                              <p:cond delay="0"/>
+                            </p:stCondLst>
+                            <p:childTnLst>
+                              <p:par>
+                                <p:cTn id="28" presetID="10" presetClass="entr" presetSubtype="0" fill="hold" grpId="0" nodeType="clickEffect">
+                                  <p:stCondLst>
+                                    <p:cond delay="0"/>
+                                  </p:stCondLst>
+                                  <p:childTnLst>
+                                    <p:set>
+                                      <p:cBhvr>
+                                        <p:cTn id="29" dur="1" fill="hold">
+                                          <p:stCondLst>
+                                            <p:cond delay="0"/>
+                                          </p:stCondLst>
+                                        </p:cTn>
+                                        <p:tgtEl>
+                                          <p:spTgt spid="10"/>
+                                        </p:tgtEl>
+                                        <p:attrNameLst>
+                                          <p:attrName>style.visibility</p:attrName>
+                                        </p:attrNameLst>
+                                      </p:cBhvr>
+                                      <p:to>
+                                        <p:strVal val="visible"/>
+                                      </p:to>
+                                    </p:set>
+                                    <p:animEffect transition="in" filter="fade">
+                                      <p:cBhvr>
+                                        <p:cTn id="30" dur="500"/>
+                                        <p:tgtEl>
+                                          <p:spTgt spid="10"/>
+                                        </p:tgtEl>
+                                      </p:cBhvr>
+                                    </p:animEffect>
+                                  </p:childTnLst>
+                                </p:cTn>
+                              </p:par>
+                              <p:par>
+                                <p:cTn id="31" presetID="10" presetClass="entr" presetSubtype="0" fill="hold" grpId="0" nodeType="withEffect">
+                                  <p:stCondLst>
+                                    <p:cond delay="0"/>
+                                  </p:stCondLst>
+                                  <p:childTnLst>
+                                    <p:set>
+                                      <p:cBhvr>
+                                        <p:cTn id="32" dur="1" fill="hold">
+                                          <p:stCondLst>
+                                            <p:cond delay="0"/>
+                                          </p:stCondLst>
+                                        </p:cTn>
+                                        <p:tgtEl>
+                                          <p:spTgt spid="15"/>
+                                        </p:tgtEl>
+                                        <p:attrNameLst>
+                                          <p:attrName>style.visibility</p:attrName>
+                                        </p:attrNameLst>
+                                      </p:cBhvr>
+                                      <p:to>
+                                        <p:strVal val="visible"/>
+                                      </p:to>
+                                    </p:set>
+                                    <p:animEffect transition="in" filter="fade">
+                                      <p:cBhvr>
+                                        <p:cTn id="33" dur="500"/>
+                                        <p:tgtEl>
+                                          <p:spTgt spid="15"/>
+                                        </p:tgtEl>
+                                      </p:cBhvr>
+                                    </p:animEffect>
+                                  </p:childTnLst>
+                                </p:cTn>
+                              </p:par>
+                            </p:childTnLst>
+                          </p:cTn>
+                        </p:par>
+                      </p:childTnLst>
+                    </p:cTn>
+                  </p:par>
+                </p:childTnLst>
+              </p:cTn>
+              <p:prevCondLst>
+                <p:cond evt="onPrev" delay="0">
+                  <p:tgtEl>
+                    <p:sldTgt/>
+                  </p:tgtEl>
+                </p:cond>
+              </p:prevCondLst>
+              <p:nextCondLst>
+                <p:cond evt="onNext" delay="0">
+                  <p:tgtEl>
+                    <p:sldTgt/>
+                  </p:tgtEl>
+                </p:cond>
+              </p:nextCondLst>
+            </p:seq>
+          </p:childTnLst>
+        </p:cTn>
+      </p:par>
+    </p:tnLst>
+    <p:bldLst>
+      <p:bldP spid="10" grpId="0" animBg="1"/>
+      <p:bldP spid="11" grpId="0" animBg="1"/>
+      <p:bldP spid="13" grpId="0" animBg="1"/>
+      <p:bldP spid="14" grpId="0" animBg="1"/>
+      <p:bldP spid="15" grpId="0" animBg="1"/>
+      <p:bldP spid="16" grpId="0" animBg="1"/>
+      <p:bldP spid="17" grpId="0" animBg="1"/>
+    </p:bldLst>
+  </p:timing>
 </p:sld>
 </file>
 
@@ -5531,20 +6849,26 @@
           <a:p>
             <a:r>
               <a:rPr lang="en-US" dirty="0"/>
-              <a:t>Add the MVC services</a:t>
+              <a:t>Most frameworks require services </a:t>
             </a:r>
           </a:p>
           <a:p>
             <a:r>
               <a:rPr lang="en-US" dirty="0"/>
-              <a:t>Use the MVC middleware</a:t>
+              <a:t>And then some middleware</a:t>
             </a:r>
           </a:p>
         </p:txBody>
       </p:sp>
       <p:pic>
         <p:nvPicPr>
-          <p:cNvPr id="4" name="Picture 3"/>
+          <p:cNvPr id="5" name="Picture 4">
+            <a:extLst>
+              <a:ext uri="{FF2B5EF4-FFF2-40B4-BE49-F238E27FC236}">
+                <a16:creationId xmlns:a16="http://schemas.microsoft.com/office/drawing/2014/main" id="{4884CD38-6336-4BB4-9676-AA15870279EE}"/>
+              </a:ext>
+            </a:extLst>
+          </p:cNvPr>
           <p:cNvPicPr>
             <a:picLocks noChangeAspect="1"/>
           </p:cNvPicPr>
@@ -5558,25 +6882,12 @@
         </p:blipFill>
         <p:spPr>
           <a:xfrm>
-            <a:off x="1219200" y="2990555"/>
-            <a:ext cx="6791325" cy="2981325"/>
+            <a:off x="876110" y="2667000"/>
+            <a:ext cx="7391780" cy="3105310"/>
           </a:xfrm>
           <a:prstGeom prst="rect">
             <a:avLst/>
           </a:prstGeom>
-          <a:solidFill>
-            <a:schemeClr val="accent1"/>
-          </a:solidFill>
-          <a:ln>
-            <a:noFill/>
-          </a:ln>
-          <a:effectLst>
-            <a:outerShdw blurRad="292100" dist="139700" dir="2700000" algn="tl" rotWithShape="0">
-              <a:srgbClr val="333333">
-                <a:alpha val="65000"/>
-              </a:srgbClr>
-            </a:outerShdw>
-          </a:effectLst>
         </p:spPr>
       </p:pic>
     </p:spTree>
@@ -5752,13 +7063,8 @@
           <a:p>
             <a:r>
               <a:rPr lang="en-US" dirty="0"/>
-              <a:t>Routing with </a:t>
-            </a:r>
-            <a:r>
-              <a:rPr lang="en-US" dirty="0" err="1"/>
-              <a:t>MapRoute</a:t>
-            </a:r>
-            <a:endParaRPr lang="en-US" dirty="0"/>
+              <a:t>Routing and Endpoints</a:t>
+            </a:r>
           </a:p>
         </p:txBody>
       </p:sp>
@@ -5779,14 +7085,26 @@
           <a:p>
             <a:r>
               <a:rPr lang="en-US" dirty="0"/>
-              <a:t>Supports defaults and catch-all parameters</a:t>
+              <a:t>Routing determines where to go</a:t>
+            </a:r>
+          </a:p>
+          <a:p>
+            <a:r>
+              <a:rPr lang="en-US" dirty="0"/>
+              <a:t>Endpoints will send the request to destination</a:t>
             </a:r>
           </a:p>
         </p:txBody>
       </p:sp>
       <p:pic>
         <p:nvPicPr>
-          <p:cNvPr id="4" name="Picture 3"/>
+          <p:cNvPr id="5" name="Picture 4">
+            <a:extLst>
+              <a:ext uri="{FF2B5EF4-FFF2-40B4-BE49-F238E27FC236}">
+                <a16:creationId xmlns:a16="http://schemas.microsoft.com/office/drawing/2014/main" id="{DFDA185E-E495-4C71-8B55-A6F63789783D}"/>
+              </a:ext>
+            </a:extLst>
+          </p:cNvPr>
           <p:cNvPicPr>
             <a:picLocks noChangeAspect="1"/>
           </p:cNvPicPr>
@@ -5800,22 +7118,12 @@
         </p:blipFill>
         <p:spPr>
           <a:xfrm>
-            <a:off x="1543050" y="2405062"/>
-            <a:ext cx="6057900" cy="2047875"/>
+            <a:off x="1752600" y="2819400"/>
+            <a:ext cx="5131064" cy="2387723"/>
           </a:xfrm>
           <a:prstGeom prst="rect">
             <a:avLst/>
           </a:prstGeom>
-          <a:ln>
-            <a:noFill/>
-          </a:ln>
-          <a:effectLst>
-            <a:outerShdw blurRad="292100" dist="139700" dir="2700000" algn="tl" rotWithShape="0">
-              <a:srgbClr val="333333">
-                <a:alpha val="65000"/>
-              </a:srgbClr>
-            </a:outerShdw>
-          </a:effectLst>
         </p:spPr>
       </p:pic>
     </p:spTree>

--- a/aspnetcore/slides/05_controllers.pptx
+++ b/aspnetcore/slides/05_controllers.pptx
@@ -305,7 +305,7 @@
               <a:pPr>
                 <a:defRPr/>
               </a:pPr>
-              <a:t>8/31/2019</a:t>
+              <a:t>10/17/2019</a:t>
             </a:fld>
             <a:endParaRPr lang="en-US"/>
           </a:p>
